--- a/DEPI projects.pptx
+++ b/DEPI projects.pptx
@@ -5,10 +5,10 @@
     <p:sldMasterId id="2147483744" r:id="rId4"/>
   </p:sldMasterIdLst>
   <p:notesMasterIdLst>
-    <p:notesMasterId r:id="rId22"/>
+    <p:notesMasterId r:id="rId21"/>
   </p:notesMasterIdLst>
   <p:handoutMasterIdLst>
-    <p:handoutMasterId r:id="rId23"/>
+    <p:handoutMasterId r:id="rId22"/>
   </p:handoutMasterIdLst>
   <p:sldIdLst>
     <p:sldId id="256" r:id="rId5"/>
@@ -16,18 +16,17 @@
     <p:sldId id="260" r:id="rId7"/>
     <p:sldId id="264" r:id="rId8"/>
     <p:sldId id="275" r:id="rId9"/>
-    <p:sldId id="278" r:id="rId10"/>
-    <p:sldId id="279" r:id="rId11"/>
-    <p:sldId id="276" r:id="rId12"/>
-    <p:sldId id="277" r:id="rId13"/>
-    <p:sldId id="289" r:id="rId14"/>
-    <p:sldId id="290" r:id="rId15"/>
-    <p:sldId id="282" r:id="rId16"/>
-    <p:sldId id="281" r:id="rId17"/>
+    <p:sldId id="279" r:id="rId10"/>
+    <p:sldId id="276" r:id="rId11"/>
+    <p:sldId id="277" r:id="rId12"/>
+    <p:sldId id="289" r:id="rId13"/>
+    <p:sldId id="290" r:id="rId14"/>
+    <p:sldId id="282" r:id="rId15"/>
+    <p:sldId id="281" r:id="rId16"/>
+    <p:sldId id="283" r:id="rId17"/>
     <p:sldId id="284" r:id="rId18"/>
-    <p:sldId id="283" r:id="rId19"/>
-    <p:sldId id="285" r:id="rId20"/>
-    <p:sldId id="291" r:id="rId21"/>
+    <p:sldId id="285" r:id="rId19"/>
+    <p:sldId id="291" r:id="rId20"/>
   </p:sldIdLst>
   <p:sldSz cx="12192000" cy="6858000"/>
   <p:notesSz cx="6858000" cy="9144000"/>
@@ -9915,7 +9914,7 @@
           <a:p>
             <a:fld id="{F3544625-0ADF-4414-89A2-9E135F0C849F}" type="slidenum">
               <a:rPr lang="en-US" smtClean="0"/>
-              <a:t>8</a:t>
+              <a:t>7</a:t>
             </a:fld>
             <a:endParaRPr lang="en-US" dirty="0"/>
           </a:p>
@@ -10023,7 +10022,7 @@
           <a:p>
             <a:fld id="{F3544625-0ADF-4414-89A2-9E135F0C849F}" type="slidenum">
               <a:rPr lang="en-US" smtClean="0"/>
-              <a:t>10</a:t>
+              <a:t>9</a:t>
             </a:fld>
             <a:endParaRPr lang="en-US" dirty="0"/>
           </a:p>
@@ -16195,13 +16194,13 @@
   <p:clrMapOvr>
     <a:masterClrMapping/>
   </p:clrMapOvr>
-  <mc:AlternateContent xmlns:mc="http://schemas.openxmlformats.org/markup-compatibility/2006">
-    <mc:Choice xmlns:p159="http://schemas.microsoft.com/office/powerpoint/2015/09/main" Requires="p159">
+  <mc:AlternateContent xmlns:mc="http://schemas.openxmlformats.org/markup-compatibility/2006" xmlns:p159="http://schemas.microsoft.com/office/powerpoint/2015/09/main">
+    <mc:Choice Requires="p159">
       <p:transition xmlns:p14="http://schemas.microsoft.com/office/powerpoint/2010/main" spd="slow" p14:dur="2000">
         <p159:morph option="byObject"/>
       </p:transition>
     </mc:Choice>
-    <mc:Fallback>
+    <mc:Fallback xmlns="">
       <p:transition spd="slow">
         <p:fade/>
       </p:transition>
@@ -17073,300 +17072,6 @@
     <p:bg>
       <p:bgPr>
         <a:blipFill>
-          <a:blip r:embed="rId3"/>
-          <a:stretch/>
-        </a:blipFill>
-        <a:effectLst/>
-      </p:bgPr>
-    </p:bg>
-    <p:spTree>
-      <p:nvGrpSpPr>
-        <p:cNvPr id="1" name="">
-          <a:extLst>
-            <a:ext uri="{FF2B5EF4-FFF2-40B4-BE49-F238E27FC236}">
-              <a16:creationId xmlns:a16="http://schemas.microsoft.com/office/drawing/2014/main" id="{4F10401E-9F91-1194-0319-4280CD40FA29}"/>
-            </a:ext>
-          </a:extLst>
-        </p:cNvPr>
-        <p:cNvGrpSpPr/>
-        <p:nvPr/>
-      </p:nvGrpSpPr>
-      <p:grpSpPr>
-        <a:xfrm>
-          <a:off x="0" y="0"/>
-          <a:ext cx="0" cy="0"/>
-          <a:chOff x="0" y="0"/>
-          <a:chExt cx="0" cy="0"/>
-        </a:xfrm>
-      </p:grpSpPr>
-      <p:pic>
-        <p:nvPicPr>
-          <p:cNvPr id="35" name="Picture 34">
-            <a:extLst>
-              <a:ext uri="{FF2B5EF4-FFF2-40B4-BE49-F238E27FC236}">
-                <a16:creationId xmlns:a16="http://schemas.microsoft.com/office/drawing/2014/main" id="{42476583-CC33-45CE-B51B-215B5673CD22}"/>
-              </a:ext>
-              <a:ext uri="{C183D7F6-B498-43B3-948B-1728B52AA6E4}">
-                <adec:decorative xmlns:adec="http://schemas.microsoft.com/office/drawing/2017/decorative" val="1"/>
-              </a:ext>
-            </a:extLst>
-          </p:cNvPr>
-          <p:cNvPicPr>
-            <a:picLocks noGrp="1" noRot="1" noChangeAspect="1" noMove="1" noResize="1" noEditPoints="1" noAdjustHandles="1" noChangeArrowheads="1" noChangeShapeType="1" noCrop="1"/>
-          </p:cNvPicPr>
-          <p:nvPr>
-            <p:extLst>
-              <p:ext uri="{386F3935-93C4-4BCD-93E2-E3B085C9AB24}">
-                <p16:designElem xmlns:p16="http://schemas.microsoft.com/office/powerpoint/2015/main" val="1"/>
-              </p:ext>
-            </p:extLst>
-          </p:nvPr>
-        </p:nvPicPr>
-        <p:blipFill>
-          <a:blip r:embed="rId4">
-            <a:extLst>
-              <a:ext uri="{28A0092B-C50C-407E-A947-70E740481C1C}">
-                <a14:useLocalDpi xmlns:a14="http://schemas.microsoft.com/office/drawing/2010/main" val="0"/>
-              </a:ext>
-            </a:extLst>
-          </a:blip>
-          <a:stretch>
-            <a:fillRect/>
-          </a:stretch>
-        </p:blipFill>
-        <p:spPr>
-          <a:xfrm>
-            <a:off x="0" y="0"/>
-            <a:ext cx="12188825" cy="6856214"/>
-          </a:xfrm>
-          <a:prstGeom prst="rect">
-            <a:avLst/>
-          </a:prstGeom>
-        </p:spPr>
-      </p:pic>
-      <p:sp>
-        <p:nvSpPr>
-          <p:cNvPr id="2" name="Title 1">
-            <a:extLst>
-              <a:ext uri="{FF2B5EF4-FFF2-40B4-BE49-F238E27FC236}">
-                <a16:creationId xmlns:a16="http://schemas.microsoft.com/office/drawing/2014/main" id="{8F025874-A1E0-4B4C-738F-A86DCC1A90DA}"/>
-              </a:ext>
-            </a:extLst>
-          </p:cNvPr>
-          <p:cNvSpPr>
-            <a:spLocks noGrp="1"/>
-          </p:cNvSpPr>
-          <p:nvPr>
-            <p:ph type="title"/>
-          </p:nvPr>
-        </p:nvSpPr>
-        <p:spPr>
-          <a:xfrm>
-            <a:off x="685801" y="609600"/>
-            <a:ext cx="10131425" cy="1456267"/>
-          </a:xfrm>
-        </p:spPr>
-        <p:txBody>
-          <a:bodyPr vert="horz" lIns="91440" tIns="45720" rIns="91440" bIns="45720" rtlCol="0" anchor="ctr">
-            <a:normAutofit/>
-          </a:bodyPr>
-          <a:lstStyle/>
-          <a:p>
-            <a:r>
-              <a:rPr lang="en-US" b="1" dirty="0"/>
-              <a:t>Objectives of LLM Fine-tuning </a:t>
-            </a:r>
-          </a:p>
-        </p:txBody>
-      </p:sp>
-      <p:graphicFrame>
-        <p:nvGraphicFramePr>
-          <p:cNvPr id="31" name="Content Placeholder 5">
-            <a:extLst>
-              <a:ext uri="{FF2B5EF4-FFF2-40B4-BE49-F238E27FC236}">
-                <a16:creationId xmlns:a16="http://schemas.microsoft.com/office/drawing/2014/main" id="{232BEAF0-85E6-FA37-BBB8-CAB92F862E41}"/>
-              </a:ext>
-            </a:extLst>
-          </p:cNvPr>
-          <p:cNvGraphicFramePr>
-            <a:graphicFrameLocks noGrp="1"/>
-          </p:cNvGraphicFramePr>
-          <p:nvPr>
-            <p:ph sz="half" idx="1"/>
-            <p:extLst>
-              <p:ext uri="{D42A27DB-BD31-4B8C-83A1-F6EECF244321}">
-                <p14:modId xmlns:p14="http://schemas.microsoft.com/office/powerpoint/2010/main" val="4169876044"/>
-              </p:ext>
-            </p:extLst>
-          </p:nvPr>
-        </p:nvGraphicFramePr>
-        <p:xfrm>
-          <a:off x="685800" y="2406400"/>
-          <a:ext cx="10131425" cy="3384799"/>
-        </p:xfrm>
-        <a:graphic>
-          <a:graphicData uri="http://schemas.openxmlformats.org/drawingml/2006/diagram">
-            <dgm:relIds xmlns:dgm="http://schemas.openxmlformats.org/drawingml/2006/diagram" xmlns:r="http://schemas.openxmlformats.org/officeDocument/2006/relationships" r:dm="rId5" r:lo="rId6" r:qs="rId7" r:cs="rId8"/>
-          </a:graphicData>
-        </a:graphic>
-      </p:graphicFrame>
-    </p:spTree>
-    <p:extLst>
-      <p:ext uri="{BB962C8B-B14F-4D97-AF65-F5344CB8AC3E}">
-        <p14:creationId xmlns:p14="http://schemas.microsoft.com/office/powerpoint/2010/main" val="3123301942"/>
-      </p:ext>
-    </p:extLst>
-  </p:cSld>
-  <p:clrMapOvr>
-    <a:masterClrMapping/>
-  </p:clrMapOvr>
-  <mc:AlternateContent xmlns:mc="http://schemas.openxmlformats.org/markup-compatibility/2006">
-    <mc:Choice xmlns:p159="http://schemas.microsoft.com/office/powerpoint/2015/09/main" Requires="p159">
-      <p:transition xmlns:p14="http://schemas.microsoft.com/office/powerpoint/2010/main" spd="slow" p14:dur="2000">
-        <p159:morph option="byObject"/>
-      </p:transition>
-    </mc:Choice>
-    <mc:Fallback>
-      <p:transition spd="slow">
-        <p:fade/>
-      </p:transition>
-    </mc:Fallback>
-  </mc:AlternateContent>
-  <p:timing>
-    <p:tnLst>
-      <p:par>
-        <p:cTn id="1" dur="indefinite" restart="never" nodeType="tmRoot">
-          <p:childTnLst>
-            <p:seq concurrent="1" nextAc="seek">
-              <p:cTn id="2" dur="indefinite" nodeType="mainSeq">
-                <p:childTnLst>
-                  <p:par>
-                    <p:cTn id="3" fill="hold">
-                      <p:stCondLst>
-                        <p:cond delay="indefinite"/>
-                      </p:stCondLst>
-                      <p:childTnLst>
-                        <p:par>
-                          <p:cTn id="4" fill="hold">
-                            <p:stCondLst>
-                              <p:cond delay="0"/>
-                            </p:stCondLst>
-                            <p:childTnLst>
-                              <p:par>
-                                <p:cTn id="5" presetID="2" presetClass="entr" presetSubtype="4" fill="hold" grpId="0" nodeType="clickEffect">
-                                  <p:stCondLst>
-                                    <p:cond delay="0"/>
-                                  </p:stCondLst>
-                                  <p:childTnLst>
-                                    <p:set>
-                                      <p:cBhvr>
-                                        <p:cTn id="6" dur="1" fill="hold">
-                                          <p:stCondLst>
-                                            <p:cond delay="0"/>
-                                          </p:stCondLst>
-                                        </p:cTn>
-                                        <p:tgtEl>
-                                          <p:spTgt spid="31"/>
-                                        </p:tgtEl>
-                                        <p:attrNameLst>
-                                          <p:attrName>style.visibility</p:attrName>
-                                        </p:attrNameLst>
-                                      </p:cBhvr>
-                                      <p:to>
-                                        <p:strVal val="visible"/>
-                                      </p:to>
-                                    </p:set>
-                                    <p:anim calcmode="lin" valueType="num">
-                                      <p:cBhvr additive="base">
-                                        <p:cTn id="7" dur="500" fill="hold"/>
-                                        <p:tgtEl>
-                                          <p:spTgt spid="31"/>
-                                        </p:tgtEl>
-                                        <p:attrNameLst>
-                                          <p:attrName>ppt_x</p:attrName>
-                                        </p:attrNameLst>
-                                      </p:cBhvr>
-                                      <p:tavLst>
-                                        <p:tav tm="0">
-                                          <p:val>
-                                            <p:strVal val="#ppt_x"/>
-                                          </p:val>
-                                        </p:tav>
-                                        <p:tav tm="100000">
-                                          <p:val>
-                                            <p:strVal val="#ppt_x"/>
-                                          </p:val>
-                                        </p:tav>
-                                      </p:tavLst>
-                                    </p:anim>
-                                    <p:anim calcmode="lin" valueType="num">
-                                      <p:cBhvr additive="base">
-                                        <p:cTn id="8" dur="500" fill="hold"/>
-                                        <p:tgtEl>
-                                          <p:spTgt spid="31"/>
-                                        </p:tgtEl>
-                                        <p:attrNameLst>
-                                          <p:attrName>ppt_y</p:attrName>
-                                        </p:attrNameLst>
-                                      </p:cBhvr>
-                                      <p:tavLst>
-                                        <p:tav tm="0">
-                                          <p:val>
-                                            <p:strVal val="1+#ppt_h/2"/>
-                                          </p:val>
-                                        </p:tav>
-                                        <p:tav tm="100000">
-                                          <p:val>
-                                            <p:strVal val="#ppt_y"/>
-                                          </p:val>
-                                        </p:tav>
-                                      </p:tavLst>
-                                    </p:anim>
-                                  </p:childTnLst>
-                                </p:cTn>
-                              </p:par>
-                            </p:childTnLst>
-                          </p:cTn>
-                        </p:par>
-                      </p:childTnLst>
-                    </p:cTn>
-                  </p:par>
-                </p:childTnLst>
-              </p:cTn>
-              <p:prevCondLst>
-                <p:cond evt="onPrev" delay="0">
-                  <p:tgtEl>
-                    <p:sldTgt/>
-                  </p:tgtEl>
-                </p:cond>
-              </p:prevCondLst>
-              <p:nextCondLst>
-                <p:cond evt="onNext" delay="0">
-                  <p:tgtEl>
-                    <p:sldTgt/>
-                  </p:tgtEl>
-                </p:cond>
-              </p:nextCondLst>
-            </p:seq>
-          </p:childTnLst>
-        </p:cTn>
-      </p:par>
-    </p:tnLst>
-    <p:bldLst>
-      <p:bldGraphic spid="31" grpId="0">
-        <p:bldAsOne/>
-      </p:bldGraphic>
-    </p:bldLst>
-  </p:timing>
-</p:sld>
-</file>
-
-<file path=ppt/slides/slide11.xml><?xml version="1.0" encoding="utf-8"?>
-<p:sld xmlns:a="http://schemas.openxmlformats.org/drawingml/2006/main" xmlns:r="http://schemas.openxmlformats.org/officeDocument/2006/relationships" xmlns:p="http://schemas.openxmlformats.org/presentationml/2006/main">
-  <p:cSld>
-    <p:bg>
-      <p:bgPr>
-        <a:blipFill>
           <a:blip r:embed="rId2"/>
           <a:stretch/>
         </a:blipFill>
@@ -17513,13 +17218,13 @@
   <p:clrMapOvr>
     <a:masterClrMapping/>
   </p:clrMapOvr>
-  <mc:AlternateContent xmlns:mc="http://schemas.openxmlformats.org/markup-compatibility/2006">
-    <mc:Choice xmlns:p159="http://schemas.microsoft.com/office/powerpoint/2015/09/main" Requires="p159">
+  <mc:AlternateContent xmlns:mc="http://schemas.openxmlformats.org/markup-compatibility/2006" xmlns:p159="http://schemas.microsoft.com/office/powerpoint/2015/09/main">
+    <mc:Choice Requires="p159">
       <p:transition xmlns:p14="http://schemas.microsoft.com/office/powerpoint/2010/main" spd="slow" p14:dur="2000">
         <p159:morph option="byObject"/>
       </p:transition>
     </mc:Choice>
-    <mc:Fallback>
+    <mc:Fallback xmlns="">
       <p:transition spd="slow">
         <p:fade/>
       </p:transition>
@@ -17620,7 +17325,7 @@
 </p:sld>
 </file>
 
-<file path=ppt/slides/slide12.xml><?xml version="1.0" encoding="utf-8"?>
+<file path=ppt/slides/slide11.xml><?xml version="1.0" encoding="utf-8"?>
 <p:sld xmlns:a="http://schemas.openxmlformats.org/drawingml/2006/main" xmlns:r="http://schemas.openxmlformats.org/officeDocument/2006/relationships" xmlns:p="http://schemas.openxmlformats.org/presentationml/2006/main">
   <p:cSld>
     <p:bg>
@@ -17795,13 +17500,13 @@
   <p:clrMapOvr>
     <a:masterClrMapping/>
   </p:clrMapOvr>
-  <mc:AlternateContent xmlns:mc="http://schemas.openxmlformats.org/markup-compatibility/2006">
-    <mc:Choice xmlns:p159="http://schemas.microsoft.com/office/powerpoint/2015/09/main" Requires="p159">
+  <mc:AlternateContent xmlns:mc="http://schemas.openxmlformats.org/markup-compatibility/2006" xmlns:p159="http://schemas.microsoft.com/office/powerpoint/2015/09/main">
+    <mc:Choice Requires="p159">
       <p:transition xmlns:p14="http://schemas.microsoft.com/office/powerpoint/2010/main" spd="slow" p14:dur="2000">
         <p159:morph option="byObject"/>
       </p:transition>
     </mc:Choice>
-    <mc:Fallback>
+    <mc:Fallback xmlns="">
       <p:transition spd="slow">
         <p:fade/>
       </p:transition>
@@ -17810,7 +17515,7 @@
 </p:sld>
 </file>
 
-<file path=ppt/slides/slide13.xml><?xml version="1.0" encoding="utf-8"?>
+<file path=ppt/slides/slide12.xml><?xml version="1.0" encoding="utf-8"?>
 <p:sld xmlns:a="http://schemas.openxmlformats.org/drawingml/2006/main" xmlns:r="http://schemas.openxmlformats.org/officeDocument/2006/relationships" xmlns:p="http://schemas.openxmlformats.org/presentationml/2006/main">
   <p:cSld>
     <p:bg>
@@ -18189,13 +17894,13 @@
   <p:clrMapOvr>
     <a:masterClrMapping/>
   </p:clrMapOvr>
-  <mc:AlternateContent xmlns:mc="http://schemas.openxmlformats.org/markup-compatibility/2006">
-    <mc:Choice xmlns:p159="http://schemas.microsoft.com/office/powerpoint/2015/09/main" Requires="p159">
+  <mc:AlternateContent xmlns:mc="http://schemas.openxmlformats.org/markup-compatibility/2006" xmlns:p159="http://schemas.microsoft.com/office/powerpoint/2015/09/main">
+    <mc:Choice Requires="p159">
       <p:transition xmlns:p14="http://schemas.microsoft.com/office/powerpoint/2010/main" spd="slow" p14:dur="2000">
         <p159:morph option="byObject"/>
       </p:transition>
     </mc:Choice>
-    <mc:Fallback>
+    <mc:Fallback xmlns="">
       <p:transition spd="slow">
         <p:fade/>
       </p:transition>
@@ -18306,287 +18011,7 @@
 </p:sld>
 </file>
 
-<file path=ppt/slides/slide14.xml><?xml version="1.0" encoding="utf-8"?>
-<p:sld xmlns:a="http://schemas.openxmlformats.org/drawingml/2006/main" xmlns:r="http://schemas.openxmlformats.org/officeDocument/2006/relationships" xmlns:p="http://schemas.openxmlformats.org/presentationml/2006/main">
-  <p:cSld>
-    <p:bg>
-      <p:bgPr>
-        <a:blipFill>
-          <a:blip r:embed="rId2"/>
-          <a:stretch/>
-        </a:blipFill>
-        <a:effectLst/>
-      </p:bgPr>
-    </p:bg>
-    <p:spTree>
-      <p:nvGrpSpPr>
-        <p:cNvPr id="1" name=""/>
-        <p:cNvGrpSpPr/>
-        <p:nvPr/>
-      </p:nvGrpSpPr>
-      <p:grpSpPr>
-        <a:xfrm>
-          <a:off x="0" y="0"/>
-          <a:ext cx="0" cy="0"/>
-          <a:chOff x="0" y="0"/>
-          <a:chExt cx="0" cy="0"/>
-        </a:xfrm>
-      </p:grpSpPr>
-      <p:pic>
-        <p:nvPicPr>
-          <p:cNvPr id="11" name="Picture 10">
-            <a:extLst>
-              <a:ext uri="{FF2B5EF4-FFF2-40B4-BE49-F238E27FC236}">
-                <a16:creationId xmlns:a16="http://schemas.microsoft.com/office/drawing/2014/main" id="{A53ED3FC-3BE8-4F1F-BEF1-74B1C721718A}"/>
-              </a:ext>
-              <a:ext uri="{C183D7F6-B498-43B3-948B-1728B52AA6E4}">
-                <adec:decorative xmlns:adec="http://schemas.microsoft.com/office/drawing/2017/decorative" val="1"/>
-              </a:ext>
-            </a:extLst>
-          </p:cNvPr>
-          <p:cNvPicPr>
-            <a:picLocks noGrp="1" noRot="1" noChangeAspect="1" noMove="1" noResize="1" noEditPoints="1" noAdjustHandles="1" noChangeArrowheads="1" noChangeShapeType="1" noCrop="1"/>
-          </p:cNvPicPr>
-          <p:nvPr>
-            <p:extLst>
-              <p:ext uri="{386F3935-93C4-4BCD-93E2-E3B085C9AB24}">
-                <p16:designElem xmlns:p16="http://schemas.microsoft.com/office/powerpoint/2015/main" val="1"/>
-              </p:ext>
-            </p:extLst>
-          </p:nvPr>
-        </p:nvPicPr>
-        <p:blipFill>
-          <a:blip r:embed="rId3">
-            <a:extLst>
-              <a:ext uri="{28A0092B-C50C-407E-A947-70E740481C1C}">
-                <a14:useLocalDpi xmlns:a14="http://schemas.microsoft.com/office/drawing/2010/main" val="0"/>
-              </a:ext>
-            </a:extLst>
-          </a:blip>
-          <a:stretch>
-            <a:fillRect/>
-          </a:stretch>
-        </p:blipFill>
-        <p:spPr>
-          <a:xfrm>
-            <a:off x="0" y="0"/>
-            <a:ext cx="12188825" cy="6856214"/>
-          </a:xfrm>
-          <a:prstGeom prst="rect">
-            <a:avLst/>
-          </a:prstGeom>
-        </p:spPr>
-      </p:pic>
-      <p:sp>
-        <p:nvSpPr>
-          <p:cNvPr id="2" name="Title 1">
-            <a:extLst>
-              <a:ext uri="{FF2B5EF4-FFF2-40B4-BE49-F238E27FC236}">
-                <a16:creationId xmlns:a16="http://schemas.microsoft.com/office/drawing/2014/main" id="{52902ACE-6612-1E1B-27FC-450063B5C4D3}"/>
-              </a:ext>
-            </a:extLst>
-          </p:cNvPr>
-          <p:cNvSpPr>
-            <a:spLocks noGrp="1"/>
-          </p:cNvSpPr>
-          <p:nvPr>
-            <p:ph type="title"/>
-          </p:nvPr>
-        </p:nvSpPr>
-        <p:spPr>
-          <a:xfrm>
-            <a:off x="825909" y="808055"/>
-            <a:ext cx="3979205" cy="1453363"/>
-          </a:xfrm>
-        </p:spPr>
-        <p:txBody>
-          <a:bodyPr vert="horz" lIns="91440" tIns="45720" rIns="91440" bIns="45720" rtlCol="0" anchor="ctr">
-            <a:normAutofit/>
-          </a:bodyPr>
-          <a:lstStyle/>
-          <a:p>
-            <a:pPr>
-              <a:lnSpc>
-                <a:spcPct val="90000"/>
-              </a:lnSpc>
-            </a:pPr>
-            <a:r>
-              <a:rPr lang="en-US" sz="2800" b="1"/>
-              <a:t>Fine-Tuning Progress – Loss Curve</a:t>
-            </a:r>
-            <a:br>
-              <a:rPr lang="en-US" sz="2800" b="1"/>
-            </a:br>
-            <a:endParaRPr lang="en-US" sz="2800"/>
-          </a:p>
-        </p:txBody>
-      </p:sp>
-      <p:sp>
-        <p:nvSpPr>
-          <p:cNvPr id="3" name="Content Placeholder 2">
-            <a:extLst>
-              <a:ext uri="{FF2B5EF4-FFF2-40B4-BE49-F238E27FC236}">
-                <a16:creationId xmlns:a16="http://schemas.microsoft.com/office/drawing/2014/main" id="{EBA87BDF-3C88-3E68-BF09-10DEF42B417A}"/>
-              </a:ext>
-            </a:extLst>
-          </p:cNvPr>
-          <p:cNvSpPr>
-            <a:spLocks noGrp="1"/>
-          </p:cNvSpPr>
-          <p:nvPr>
-            <p:ph sz="half" idx="1"/>
-          </p:nvPr>
-        </p:nvSpPr>
-        <p:spPr>
-          <a:xfrm>
-            <a:off x="802178" y="2261420"/>
-            <a:ext cx="4002936" cy="3637935"/>
-          </a:xfrm>
-        </p:spPr>
-        <p:txBody>
-          <a:bodyPr vert="horz" lIns="91440" tIns="45720" rIns="91440" bIns="45720" rtlCol="0" anchor="ctr">
-            <a:normAutofit/>
-          </a:bodyPr>
-          <a:lstStyle/>
-          <a:p>
-            <a:r>
-              <a:rPr lang="en-US"/>
-              <a:t>This graph shows how the </a:t>
-            </a:r>
-            <a:r>
-              <a:rPr lang="en-US" b="1"/>
-              <a:t>training loss</a:t>
-            </a:r>
-            <a:r>
-              <a:rPr lang="en-US"/>
-              <a:t> (and optionally validation loss) decreased over time.</a:t>
-            </a:r>
-          </a:p>
-          <a:p>
-            <a:r>
-              <a:rPr lang="en-US"/>
-              <a:t>The downward trend indicates that the model is </a:t>
-            </a:r>
-            <a:r>
-              <a:rPr lang="en-US" b="1"/>
-              <a:t>learning effectively</a:t>
-            </a:r>
-            <a:r>
-              <a:rPr lang="en-US"/>
-              <a:t> from the training data.</a:t>
-            </a:r>
-          </a:p>
-          <a:p>
-            <a:r>
-              <a:rPr lang="en-US"/>
-              <a:t>Loss reduction confirms the success of the </a:t>
-            </a:r>
-            <a:r>
-              <a:rPr lang="en-US" b="1"/>
-              <a:t>fine-tuning</a:t>
-            </a:r>
-            <a:r>
-              <a:rPr lang="en-US"/>
-              <a:t> process.</a:t>
-            </a:r>
-          </a:p>
-          <a:p>
-            <a:r>
-              <a:rPr lang="en-US"/>
-              <a:t>📌 Lower loss = Better model performance</a:t>
-            </a:r>
-          </a:p>
-          <a:p>
-            <a:endParaRPr lang="en-US" dirty="0"/>
-          </a:p>
-        </p:txBody>
-      </p:sp>
-      <p:pic>
-        <p:nvPicPr>
-          <p:cNvPr id="6" name="Content Placeholder 5" descr="A graph showing a step and a blue line&#10;&#10;AI-generated content may be incorrect.">
-            <a:extLst>
-              <a:ext uri="{FF2B5EF4-FFF2-40B4-BE49-F238E27FC236}">
-                <a16:creationId xmlns:a16="http://schemas.microsoft.com/office/drawing/2014/main" id="{27310F50-711A-4445-4878-CF412BB2F97D}"/>
-              </a:ext>
-            </a:extLst>
-          </p:cNvPr>
-          <p:cNvPicPr>
-            <a:picLocks noGrp="1" noChangeAspect="1"/>
-          </p:cNvPicPr>
-          <p:nvPr>
-            <p:ph sz="half" idx="2"/>
-          </p:nvPr>
-        </p:nvPicPr>
-        <p:blipFill>
-          <a:blip r:embed="rId4"/>
-          <a:stretch>
-            <a:fillRect/>
-          </a:stretch>
-        </p:blipFill>
-        <p:spPr>
-          <a:xfrm>
-            <a:off x="5289752" y="1062037"/>
-            <a:ext cx="6095593" cy="4571694"/>
-          </a:xfrm>
-          <a:prstGeom prst="roundRect">
-            <a:avLst>
-              <a:gd name="adj" fmla="val 4380"/>
-            </a:avLst>
-          </a:prstGeom>
-          <a:ln w="50800" cap="sq" cmpd="dbl">
-            <a:gradFill flip="none" rotWithShape="1">
-              <a:gsLst>
-                <a:gs pos="0">
-                  <a:srgbClr val="FFFFFF"/>
-                </a:gs>
-                <a:gs pos="100000">
-                  <a:schemeClr val="tx1">
-                    <a:alpha val="0"/>
-                  </a:schemeClr>
-                </a:gs>
-              </a:gsLst>
-              <a:path path="circle">
-                <a:fillToRect l="50000" t="50000" r="50000" b="50000"/>
-              </a:path>
-              <a:tileRect/>
-            </a:gradFill>
-            <a:miter lim="800000"/>
-          </a:ln>
-          <a:effectLst>
-            <a:outerShdw blurRad="254000" algn="tl" rotWithShape="0">
-              <a:srgbClr val="000000">
-                <a:alpha val="43000"/>
-              </a:srgbClr>
-            </a:outerShdw>
-          </a:effectLst>
-        </p:spPr>
-      </p:pic>
-    </p:spTree>
-    <p:extLst>
-      <p:ext uri="{BB962C8B-B14F-4D97-AF65-F5344CB8AC3E}">
-        <p14:creationId xmlns:p14="http://schemas.microsoft.com/office/powerpoint/2010/main" val="575257987"/>
-      </p:ext>
-    </p:extLst>
-  </p:cSld>
-  <p:clrMapOvr>
-    <a:masterClrMapping/>
-  </p:clrMapOvr>
-  <mc:AlternateContent xmlns:mc="http://schemas.openxmlformats.org/markup-compatibility/2006">
-    <mc:Choice xmlns:p159="http://schemas.microsoft.com/office/powerpoint/2015/09/main" Requires="p159">
-      <p:transition xmlns:p14="http://schemas.microsoft.com/office/powerpoint/2010/main" spd="slow" p14:dur="2000">
-        <p159:morph option="byObject"/>
-      </p:transition>
-    </mc:Choice>
-    <mc:Fallback>
-      <p:transition spd="slow">
-        <p:fade/>
-      </p:transition>
-    </mc:Fallback>
-  </mc:AlternateContent>
-</p:sld>
-</file>
-
-<file path=ppt/slides/slide15.xml><?xml version="1.0" encoding="utf-8"?>
+<file path=ppt/slides/slide13.xml><?xml version="1.0" encoding="utf-8"?>
 <p:sld xmlns:a="http://schemas.openxmlformats.org/drawingml/2006/main" xmlns:r="http://schemas.openxmlformats.org/officeDocument/2006/relationships" xmlns:p="http://schemas.openxmlformats.org/presentationml/2006/main">
   <p:cSld>
     <p:bg>
@@ -19030,13 +18455,13 @@
   <p:clrMapOvr>
     <a:masterClrMapping/>
   </p:clrMapOvr>
-  <mc:AlternateContent xmlns:mc="http://schemas.openxmlformats.org/markup-compatibility/2006">
-    <mc:Choice xmlns:p159="http://schemas.microsoft.com/office/powerpoint/2015/09/main" Requires="p159">
+  <mc:AlternateContent xmlns:mc="http://schemas.openxmlformats.org/markup-compatibility/2006" xmlns:p159="http://schemas.microsoft.com/office/powerpoint/2015/09/main">
+    <mc:Choice Requires="p159">
       <p:transition xmlns:p14="http://schemas.microsoft.com/office/powerpoint/2010/main" spd="slow" p14:dur="2000">
         <p159:morph option="byObject"/>
       </p:transition>
     </mc:Choice>
-    <mc:Fallback>
+    <mc:Fallback xmlns="">
       <p:transition spd="slow">
         <p:fade/>
       </p:transition>
@@ -19147,7 +18572,287 @@
 </p:sld>
 </file>
 
-<file path=ppt/slides/slide16.xml><?xml version="1.0" encoding="utf-8"?>
+<file path=ppt/slides/slide14.xml><?xml version="1.0" encoding="utf-8"?>
+<p:sld xmlns:a="http://schemas.openxmlformats.org/drawingml/2006/main" xmlns:r="http://schemas.openxmlformats.org/officeDocument/2006/relationships" xmlns:p="http://schemas.openxmlformats.org/presentationml/2006/main">
+  <p:cSld>
+    <p:bg>
+      <p:bgPr>
+        <a:blipFill>
+          <a:blip r:embed="rId2"/>
+          <a:stretch/>
+        </a:blipFill>
+        <a:effectLst/>
+      </p:bgPr>
+    </p:bg>
+    <p:spTree>
+      <p:nvGrpSpPr>
+        <p:cNvPr id="1" name=""/>
+        <p:cNvGrpSpPr/>
+        <p:nvPr/>
+      </p:nvGrpSpPr>
+      <p:grpSpPr>
+        <a:xfrm>
+          <a:off x="0" y="0"/>
+          <a:ext cx="0" cy="0"/>
+          <a:chOff x="0" y="0"/>
+          <a:chExt cx="0" cy="0"/>
+        </a:xfrm>
+      </p:grpSpPr>
+      <p:pic>
+        <p:nvPicPr>
+          <p:cNvPr id="11" name="Picture 10">
+            <a:extLst>
+              <a:ext uri="{FF2B5EF4-FFF2-40B4-BE49-F238E27FC236}">
+                <a16:creationId xmlns:a16="http://schemas.microsoft.com/office/drawing/2014/main" id="{A53ED3FC-3BE8-4F1F-BEF1-74B1C721718A}"/>
+              </a:ext>
+              <a:ext uri="{C183D7F6-B498-43B3-948B-1728B52AA6E4}">
+                <adec:decorative xmlns:adec="http://schemas.microsoft.com/office/drawing/2017/decorative" val="1"/>
+              </a:ext>
+            </a:extLst>
+          </p:cNvPr>
+          <p:cNvPicPr>
+            <a:picLocks noGrp="1" noRot="1" noChangeAspect="1" noMove="1" noResize="1" noEditPoints="1" noAdjustHandles="1" noChangeArrowheads="1" noChangeShapeType="1" noCrop="1"/>
+          </p:cNvPicPr>
+          <p:nvPr>
+            <p:extLst>
+              <p:ext uri="{386F3935-93C4-4BCD-93E2-E3B085C9AB24}">
+                <p16:designElem xmlns:p16="http://schemas.microsoft.com/office/powerpoint/2015/main" val="1"/>
+              </p:ext>
+            </p:extLst>
+          </p:nvPr>
+        </p:nvPicPr>
+        <p:blipFill>
+          <a:blip r:embed="rId3">
+            <a:extLst>
+              <a:ext uri="{28A0092B-C50C-407E-A947-70E740481C1C}">
+                <a14:useLocalDpi xmlns:a14="http://schemas.microsoft.com/office/drawing/2010/main" val="0"/>
+              </a:ext>
+            </a:extLst>
+          </a:blip>
+          <a:stretch>
+            <a:fillRect/>
+          </a:stretch>
+        </p:blipFill>
+        <p:spPr>
+          <a:xfrm>
+            <a:off x="0" y="0"/>
+            <a:ext cx="12188825" cy="6856214"/>
+          </a:xfrm>
+          <a:prstGeom prst="rect">
+            <a:avLst/>
+          </a:prstGeom>
+        </p:spPr>
+      </p:pic>
+      <p:sp>
+        <p:nvSpPr>
+          <p:cNvPr id="2" name="Title 1">
+            <a:extLst>
+              <a:ext uri="{FF2B5EF4-FFF2-40B4-BE49-F238E27FC236}">
+                <a16:creationId xmlns:a16="http://schemas.microsoft.com/office/drawing/2014/main" id="{52902ACE-6612-1E1B-27FC-450063B5C4D3}"/>
+              </a:ext>
+            </a:extLst>
+          </p:cNvPr>
+          <p:cNvSpPr>
+            <a:spLocks noGrp="1"/>
+          </p:cNvSpPr>
+          <p:nvPr>
+            <p:ph type="title"/>
+          </p:nvPr>
+        </p:nvSpPr>
+        <p:spPr>
+          <a:xfrm>
+            <a:off x="825909" y="808055"/>
+            <a:ext cx="3979205" cy="1453363"/>
+          </a:xfrm>
+        </p:spPr>
+        <p:txBody>
+          <a:bodyPr vert="horz" lIns="91440" tIns="45720" rIns="91440" bIns="45720" rtlCol="0" anchor="ctr">
+            <a:normAutofit/>
+          </a:bodyPr>
+          <a:lstStyle/>
+          <a:p>
+            <a:pPr>
+              <a:lnSpc>
+                <a:spcPct val="90000"/>
+              </a:lnSpc>
+            </a:pPr>
+            <a:r>
+              <a:rPr lang="en-US" sz="2800" b="1"/>
+              <a:t>Fine-Tuning Progress – Loss Curve</a:t>
+            </a:r>
+            <a:br>
+              <a:rPr lang="en-US" sz="2800" b="1"/>
+            </a:br>
+            <a:endParaRPr lang="en-US" sz="2800"/>
+          </a:p>
+        </p:txBody>
+      </p:sp>
+      <p:sp>
+        <p:nvSpPr>
+          <p:cNvPr id="3" name="Content Placeholder 2">
+            <a:extLst>
+              <a:ext uri="{FF2B5EF4-FFF2-40B4-BE49-F238E27FC236}">
+                <a16:creationId xmlns:a16="http://schemas.microsoft.com/office/drawing/2014/main" id="{EBA87BDF-3C88-3E68-BF09-10DEF42B417A}"/>
+              </a:ext>
+            </a:extLst>
+          </p:cNvPr>
+          <p:cNvSpPr>
+            <a:spLocks noGrp="1"/>
+          </p:cNvSpPr>
+          <p:nvPr>
+            <p:ph sz="half" idx="1"/>
+          </p:nvPr>
+        </p:nvSpPr>
+        <p:spPr>
+          <a:xfrm>
+            <a:off x="802178" y="2261420"/>
+            <a:ext cx="4002936" cy="3637935"/>
+          </a:xfrm>
+        </p:spPr>
+        <p:txBody>
+          <a:bodyPr vert="horz" lIns="91440" tIns="45720" rIns="91440" bIns="45720" rtlCol="0" anchor="ctr">
+            <a:normAutofit/>
+          </a:bodyPr>
+          <a:lstStyle/>
+          <a:p>
+            <a:r>
+              <a:rPr lang="en-US"/>
+              <a:t>This graph shows how the </a:t>
+            </a:r>
+            <a:r>
+              <a:rPr lang="en-US" b="1"/>
+              <a:t>training loss</a:t>
+            </a:r>
+            <a:r>
+              <a:rPr lang="en-US"/>
+              <a:t> (and optionally validation loss) decreased over time.</a:t>
+            </a:r>
+          </a:p>
+          <a:p>
+            <a:r>
+              <a:rPr lang="en-US"/>
+              <a:t>The downward trend indicates that the model is </a:t>
+            </a:r>
+            <a:r>
+              <a:rPr lang="en-US" b="1"/>
+              <a:t>learning effectively</a:t>
+            </a:r>
+            <a:r>
+              <a:rPr lang="en-US"/>
+              <a:t> from the training data.</a:t>
+            </a:r>
+          </a:p>
+          <a:p>
+            <a:r>
+              <a:rPr lang="en-US"/>
+              <a:t>Loss reduction confirms the success of the </a:t>
+            </a:r>
+            <a:r>
+              <a:rPr lang="en-US" b="1"/>
+              <a:t>fine-tuning</a:t>
+            </a:r>
+            <a:r>
+              <a:rPr lang="en-US"/>
+              <a:t> process.</a:t>
+            </a:r>
+          </a:p>
+          <a:p>
+            <a:r>
+              <a:rPr lang="en-US"/>
+              <a:t>📌 Lower loss = Better model performance</a:t>
+            </a:r>
+          </a:p>
+          <a:p>
+            <a:endParaRPr lang="en-US" dirty="0"/>
+          </a:p>
+        </p:txBody>
+      </p:sp>
+      <p:pic>
+        <p:nvPicPr>
+          <p:cNvPr id="6" name="Content Placeholder 5" descr="A graph showing a step and a blue line&#10;&#10;AI-generated content may be incorrect.">
+            <a:extLst>
+              <a:ext uri="{FF2B5EF4-FFF2-40B4-BE49-F238E27FC236}">
+                <a16:creationId xmlns:a16="http://schemas.microsoft.com/office/drawing/2014/main" id="{27310F50-711A-4445-4878-CF412BB2F97D}"/>
+              </a:ext>
+            </a:extLst>
+          </p:cNvPr>
+          <p:cNvPicPr>
+            <a:picLocks noGrp="1" noChangeAspect="1"/>
+          </p:cNvPicPr>
+          <p:nvPr>
+            <p:ph sz="half" idx="2"/>
+          </p:nvPr>
+        </p:nvPicPr>
+        <p:blipFill>
+          <a:blip r:embed="rId4"/>
+          <a:stretch>
+            <a:fillRect/>
+          </a:stretch>
+        </p:blipFill>
+        <p:spPr>
+          <a:xfrm>
+            <a:off x="5289752" y="1062037"/>
+            <a:ext cx="6095593" cy="4571694"/>
+          </a:xfrm>
+          <a:prstGeom prst="roundRect">
+            <a:avLst>
+              <a:gd name="adj" fmla="val 4380"/>
+            </a:avLst>
+          </a:prstGeom>
+          <a:ln w="50800" cap="sq" cmpd="dbl">
+            <a:gradFill flip="none" rotWithShape="1">
+              <a:gsLst>
+                <a:gs pos="0">
+                  <a:srgbClr val="FFFFFF"/>
+                </a:gs>
+                <a:gs pos="100000">
+                  <a:schemeClr val="tx1">
+                    <a:alpha val="0"/>
+                  </a:schemeClr>
+                </a:gs>
+              </a:gsLst>
+              <a:path path="circle">
+                <a:fillToRect l="50000" t="50000" r="50000" b="50000"/>
+              </a:path>
+              <a:tileRect/>
+            </a:gradFill>
+            <a:miter lim="800000"/>
+          </a:ln>
+          <a:effectLst>
+            <a:outerShdw blurRad="254000" algn="tl" rotWithShape="0">
+              <a:srgbClr val="000000">
+                <a:alpha val="43000"/>
+              </a:srgbClr>
+            </a:outerShdw>
+          </a:effectLst>
+        </p:spPr>
+      </p:pic>
+    </p:spTree>
+    <p:extLst>
+      <p:ext uri="{BB962C8B-B14F-4D97-AF65-F5344CB8AC3E}">
+        <p14:creationId xmlns:p14="http://schemas.microsoft.com/office/powerpoint/2010/main" val="575257987"/>
+      </p:ext>
+    </p:extLst>
+  </p:cSld>
+  <p:clrMapOvr>
+    <a:masterClrMapping/>
+  </p:clrMapOvr>
+  <mc:AlternateContent xmlns:mc="http://schemas.openxmlformats.org/markup-compatibility/2006" xmlns:p159="http://schemas.microsoft.com/office/powerpoint/2015/09/main">
+    <mc:Choice Requires="p159">
+      <p:transition xmlns:p14="http://schemas.microsoft.com/office/powerpoint/2010/main" spd="slow" p14:dur="2000">
+        <p159:morph option="byObject"/>
+      </p:transition>
+    </mc:Choice>
+    <mc:Fallback xmlns="">
+      <p:transition spd="slow">
+        <p:fade/>
+      </p:transition>
+    </mc:Fallback>
+  </mc:AlternateContent>
+</p:sld>
+</file>
+
+<file path=ppt/slides/slide15.xml><?xml version="1.0" encoding="utf-8"?>
 <p:sld xmlns:a="http://schemas.openxmlformats.org/drawingml/2006/main" xmlns:r="http://schemas.openxmlformats.org/officeDocument/2006/relationships" xmlns:p="http://schemas.openxmlformats.org/presentationml/2006/main">
   <p:cSld>
     <p:bg>
@@ -19465,13 +19170,13 @@
   <p:clrMapOvr>
     <a:masterClrMapping/>
   </p:clrMapOvr>
-  <mc:AlternateContent xmlns:mc="http://schemas.openxmlformats.org/markup-compatibility/2006">
-    <mc:Choice xmlns:p159="http://schemas.microsoft.com/office/powerpoint/2015/09/main" Requires="p159">
+  <mc:AlternateContent xmlns:mc="http://schemas.openxmlformats.org/markup-compatibility/2006" xmlns:p159="http://schemas.microsoft.com/office/powerpoint/2015/09/main">
+    <mc:Choice Requires="p159">
       <p:transition xmlns:p14="http://schemas.microsoft.com/office/powerpoint/2010/main" spd="slow" p14:dur="2000">
         <p159:morph option="byObject"/>
       </p:transition>
     </mc:Choice>
-    <mc:Fallback>
+    <mc:Fallback xmlns="">
       <p:transition spd="slow">
         <p:fade/>
       </p:transition>
@@ -19857,7 +19562,7 @@
 </p:sld>
 </file>
 
-<file path=ppt/slides/slide17.xml><?xml version="1.0" encoding="utf-8"?>
+<file path=ppt/slides/slide16.xml><?xml version="1.0" encoding="utf-8"?>
 <p:sld xmlns:a="http://schemas.openxmlformats.org/drawingml/2006/main" xmlns:r="http://schemas.openxmlformats.org/officeDocument/2006/relationships" xmlns:p="http://schemas.openxmlformats.org/presentationml/2006/main">
   <p:cSld>
     <p:bg>
@@ -20322,13 +20027,13 @@
   <p:clrMapOvr>
     <a:masterClrMapping/>
   </p:clrMapOvr>
-  <mc:AlternateContent xmlns:mc="http://schemas.openxmlformats.org/markup-compatibility/2006">
-    <mc:Choice xmlns:p159="http://schemas.microsoft.com/office/powerpoint/2015/09/main" Requires="p159">
+  <mc:AlternateContent xmlns:mc="http://schemas.openxmlformats.org/markup-compatibility/2006" xmlns:p159="http://schemas.microsoft.com/office/powerpoint/2015/09/main">
+    <mc:Choice Requires="p159">
       <p:transition xmlns:p14="http://schemas.microsoft.com/office/powerpoint/2010/main" spd="slow" p14:dur="2000">
         <p159:morph option="byObject"/>
       </p:transition>
     </mc:Choice>
-    <mc:Fallback>
+    <mc:Fallback xmlns="">
       <p:transition spd="slow">
         <p:fade/>
       </p:transition>
@@ -20837,13 +20542,13 @@
   <p:clrMapOvr>
     <a:masterClrMapping/>
   </p:clrMapOvr>
-  <mc:AlternateContent xmlns:mc="http://schemas.openxmlformats.org/markup-compatibility/2006">
-    <mc:Choice xmlns:p159="http://schemas.microsoft.com/office/powerpoint/2015/09/main" Requires="p159">
+  <mc:AlternateContent xmlns:mc="http://schemas.openxmlformats.org/markup-compatibility/2006" xmlns:p159="http://schemas.microsoft.com/office/powerpoint/2015/09/main">
+    <mc:Choice Requires="p159">
       <p:transition xmlns:p14="http://schemas.microsoft.com/office/powerpoint/2010/main" spd="slow" p14:dur="2000">
         <p159:morph option="byObject"/>
       </p:transition>
     </mc:Choice>
-    <mc:Fallback>
+    <mc:Fallback xmlns="">
       <p:transition spd="slow">
         <p:fade/>
       </p:transition>
@@ -21164,13 +20869,13 @@
   <p:clrMapOvr>
     <a:masterClrMapping/>
   </p:clrMapOvr>
-  <mc:AlternateContent xmlns:mc="http://schemas.openxmlformats.org/markup-compatibility/2006">
-    <mc:Choice xmlns:p159="http://schemas.microsoft.com/office/powerpoint/2015/09/main" Requires="p159">
+  <mc:AlternateContent xmlns:mc="http://schemas.openxmlformats.org/markup-compatibility/2006" xmlns:p159="http://schemas.microsoft.com/office/powerpoint/2015/09/main">
+    <mc:Choice Requires="p159">
       <p:transition xmlns:p14="http://schemas.microsoft.com/office/powerpoint/2010/main" spd="slow" p14:dur="2000">
         <p159:morph option="byObject"/>
       </p:transition>
     </mc:Choice>
-    <mc:Fallback>
+    <mc:Fallback xmlns="">
       <p:transition spd="slow">
         <p:fade/>
       </p:transition>
@@ -21695,13 +21400,13 @@
   <p:clrMapOvr>
     <a:masterClrMapping/>
   </p:clrMapOvr>
-  <mc:AlternateContent xmlns:mc="http://schemas.openxmlformats.org/markup-compatibility/2006">
-    <mc:Choice xmlns:p159="http://schemas.microsoft.com/office/powerpoint/2015/09/main" Requires="p159">
+  <mc:AlternateContent xmlns:mc="http://schemas.openxmlformats.org/markup-compatibility/2006" xmlns:p159="http://schemas.microsoft.com/office/powerpoint/2015/09/main">
+    <mc:Choice Requires="p159">
       <p:transition xmlns:p14="http://schemas.microsoft.com/office/powerpoint/2010/main" spd="slow" p14:dur="2000">
         <p159:morph option="byObject"/>
       </p:transition>
     </mc:Choice>
-    <mc:Fallback>
+    <mc:Fallback xmlns="">
       <p:transition spd="slow">
         <p:fade/>
       </p:transition>
@@ -21813,313 +21518,6 @@
 </file>
 
 <file path=ppt/slides/slide6.xml><?xml version="1.0" encoding="utf-8"?>
-<p:sld xmlns:a="http://schemas.openxmlformats.org/drawingml/2006/main" xmlns:r="http://schemas.openxmlformats.org/officeDocument/2006/relationships" xmlns:p="http://schemas.openxmlformats.org/presentationml/2006/main">
-  <p:cSld>
-    <p:bg>
-      <p:bgPr>
-        <a:blipFill>
-          <a:blip r:embed="rId2"/>
-          <a:stretch/>
-        </a:blipFill>
-        <a:effectLst/>
-      </p:bgPr>
-    </p:bg>
-    <p:spTree>
-      <p:nvGrpSpPr>
-        <p:cNvPr id="1" name=""/>
-        <p:cNvGrpSpPr/>
-        <p:nvPr/>
-      </p:nvGrpSpPr>
-      <p:grpSpPr>
-        <a:xfrm>
-          <a:off x="0" y="0"/>
-          <a:ext cx="0" cy="0"/>
-          <a:chOff x="0" y="0"/>
-          <a:chExt cx="0" cy="0"/>
-        </a:xfrm>
-      </p:grpSpPr>
-      <p:pic>
-        <p:nvPicPr>
-          <p:cNvPr id="145" name="Picture 144">
-            <a:extLst>
-              <a:ext uri="{FF2B5EF4-FFF2-40B4-BE49-F238E27FC236}">
-                <a16:creationId xmlns:a16="http://schemas.microsoft.com/office/drawing/2014/main" id="{CBECFFDC-94DB-4DA3-94FE-22FEDDA8FA30}"/>
-              </a:ext>
-              <a:ext uri="{C183D7F6-B498-43B3-948B-1728B52AA6E4}">
-                <adec:decorative xmlns:adec="http://schemas.microsoft.com/office/drawing/2017/decorative" val="1"/>
-              </a:ext>
-            </a:extLst>
-          </p:cNvPr>
-          <p:cNvPicPr>
-            <a:picLocks noGrp="1" noRot="1" noChangeAspect="1" noMove="1" noResize="1" noEditPoints="1" noAdjustHandles="1" noChangeArrowheads="1" noChangeShapeType="1" noCrop="1"/>
-          </p:cNvPicPr>
-          <p:nvPr>
-            <p:extLst>
-              <p:ext uri="{386F3935-93C4-4BCD-93E2-E3B085C9AB24}">
-                <p16:designElem xmlns:p16="http://schemas.microsoft.com/office/powerpoint/2015/main" val="1"/>
-              </p:ext>
-            </p:extLst>
-          </p:nvPr>
-        </p:nvPicPr>
-        <p:blipFill>
-          <a:blip r:embed="rId3">
-            <a:extLst>
-              <a:ext uri="{28A0092B-C50C-407E-A947-70E740481C1C}">
-                <a14:useLocalDpi xmlns:a14="http://schemas.microsoft.com/office/drawing/2010/main" val="0"/>
-              </a:ext>
-            </a:extLst>
-          </a:blip>
-          <a:stretch>
-            <a:fillRect/>
-          </a:stretch>
-        </p:blipFill>
-        <p:spPr>
-          <a:xfrm>
-            <a:off x="0" y="0"/>
-            <a:ext cx="12188825" cy="6856214"/>
-          </a:xfrm>
-          <a:prstGeom prst="rect">
-            <a:avLst/>
-          </a:prstGeom>
-        </p:spPr>
-      </p:pic>
-      <p:sp>
-        <p:nvSpPr>
-          <p:cNvPr id="2" name="Title 1">
-            <a:extLst>
-              <a:ext uri="{FF2B5EF4-FFF2-40B4-BE49-F238E27FC236}">
-                <a16:creationId xmlns:a16="http://schemas.microsoft.com/office/drawing/2014/main" id="{271F7F3C-87F0-0836-CB4A-A6B33B563EE3}"/>
-              </a:ext>
-            </a:extLst>
-          </p:cNvPr>
-          <p:cNvSpPr>
-            <a:spLocks noGrp="1"/>
-          </p:cNvSpPr>
-          <p:nvPr>
-            <p:ph type="title"/>
-          </p:nvPr>
-        </p:nvSpPr>
-        <p:spPr>
-          <a:xfrm>
-            <a:off x="1032933" y="4538133"/>
-            <a:ext cx="10127192" cy="931341"/>
-          </a:xfrm>
-        </p:spPr>
-        <p:txBody>
-          <a:bodyPr vert="horz" lIns="91440" tIns="45720" rIns="91440" bIns="45720" rtlCol="0" anchor="b">
-            <a:normAutofit/>
-          </a:bodyPr>
-          <a:lstStyle/>
-          <a:p>
-            <a:pPr algn="r"/>
-            <a:r>
-              <a:rPr lang="en-US" sz="4000" dirty="0"/>
-              <a:t>Code Snippet</a:t>
-            </a:r>
-          </a:p>
-        </p:txBody>
-      </p:sp>
-      <p:pic>
-        <p:nvPicPr>
-          <p:cNvPr id="11" name="Picture 10" descr="A screenshot of a computer code&#10;&#10;AI-generated content may be incorrect.">
-            <a:extLst>
-              <a:ext uri="{FF2B5EF4-FFF2-40B4-BE49-F238E27FC236}">
-                <a16:creationId xmlns:a16="http://schemas.microsoft.com/office/drawing/2014/main" id="{A917C469-F86D-3FF8-290A-3E8282346F0A}"/>
-              </a:ext>
-            </a:extLst>
-          </p:cNvPr>
-          <p:cNvPicPr>
-            <a:picLocks noChangeAspect="1"/>
-          </p:cNvPicPr>
-          <p:nvPr/>
-        </p:nvPicPr>
-        <p:blipFill>
-          <a:blip r:embed="rId4"/>
-          <a:stretch>
-            <a:fillRect/>
-          </a:stretch>
-        </p:blipFill>
-        <p:spPr>
-          <a:xfrm>
-            <a:off x="134198" y="123621"/>
-            <a:ext cx="11861490" cy="3983429"/>
-          </a:xfrm>
-          <a:prstGeom prst="rect">
-            <a:avLst/>
-          </a:prstGeom>
-        </p:spPr>
-      </p:pic>
-    </p:spTree>
-    <p:extLst>
-      <p:ext uri="{BB962C8B-B14F-4D97-AF65-F5344CB8AC3E}">
-        <p14:creationId xmlns:p14="http://schemas.microsoft.com/office/powerpoint/2010/main" val="3152187319"/>
-      </p:ext>
-    </p:extLst>
-  </p:cSld>
-  <p:clrMapOvr>
-    <a:masterClrMapping/>
-  </p:clrMapOvr>
-  <mc:AlternateContent xmlns:mc="http://schemas.openxmlformats.org/markup-compatibility/2006">
-    <mc:Choice xmlns:p159="http://schemas.microsoft.com/office/powerpoint/2015/09/main" Requires="p159">
-      <p:transition xmlns:p14="http://schemas.microsoft.com/office/powerpoint/2010/main" spd="slow" p14:dur="2000">
-        <p159:morph option="byObject"/>
-      </p:transition>
-    </mc:Choice>
-    <mc:Fallback>
-      <p:transition spd="slow">
-        <p:fade/>
-      </p:transition>
-    </mc:Fallback>
-  </mc:AlternateContent>
-  <p:timing>
-    <p:tnLst>
-      <p:par>
-        <p:cTn id="1" dur="indefinite" restart="never" nodeType="tmRoot">
-          <p:childTnLst>
-            <p:seq concurrent="1" nextAc="seek">
-              <p:cTn id="2" dur="indefinite" nodeType="mainSeq">
-                <p:childTnLst>
-                  <p:par>
-                    <p:cTn id="3" fill="hold">
-                      <p:stCondLst>
-                        <p:cond delay="indefinite"/>
-                        <p:cond evt="onBegin" delay="0">
-                          <p:tn val="2"/>
-                        </p:cond>
-                      </p:stCondLst>
-                      <p:childTnLst>
-                        <p:par>
-                          <p:cTn id="4" fill="hold">
-                            <p:stCondLst>
-                              <p:cond delay="0"/>
-                            </p:stCondLst>
-                            <p:childTnLst>
-                              <p:par>
-                                <p:cTn id="5" presetID="10" presetClass="entr" presetSubtype="0" fill="hold" grpId="0" nodeType="withEffect">
-                                  <p:stCondLst>
-                                    <p:cond delay="1000"/>
-                                  </p:stCondLst>
-                                  <p:iterate type="lt">
-                                    <p:tmPct val="10000"/>
-                                  </p:iterate>
-                                  <p:childTnLst>
-                                    <p:set>
-                                      <p:cBhvr>
-                                        <p:cTn id="6" dur="1" fill="hold">
-                                          <p:stCondLst>
-                                            <p:cond delay="0"/>
-                                          </p:stCondLst>
-                                        </p:cTn>
-                                        <p:tgtEl>
-                                          <p:spTgt spid="2"/>
-                                        </p:tgtEl>
-                                        <p:attrNameLst>
-                                          <p:attrName>style.visibility</p:attrName>
-                                        </p:attrNameLst>
-                                      </p:cBhvr>
-                                      <p:to>
-                                        <p:strVal val="visible"/>
-                                      </p:to>
-                                    </p:set>
-                                    <p:animEffect transition="in" filter="fade">
-                                      <p:cBhvr>
-                                        <p:cTn id="7" dur="400"/>
-                                        <p:tgtEl>
-                                          <p:spTgt spid="2"/>
-                                        </p:tgtEl>
-                                      </p:cBhvr>
-                                    </p:animEffect>
-                                  </p:childTnLst>
-                                </p:cTn>
-                              </p:par>
-                            </p:childTnLst>
-                          </p:cTn>
-                        </p:par>
-                      </p:childTnLst>
-                    </p:cTn>
-                  </p:par>
-                  <p:par>
-                    <p:cTn id="8" fill="hold">
-                      <p:stCondLst>
-                        <p:cond delay="indefinite"/>
-                      </p:stCondLst>
-                      <p:childTnLst>
-                        <p:par>
-                          <p:cTn id="9" fill="hold">
-                            <p:stCondLst>
-                              <p:cond delay="0"/>
-                            </p:stCondLst>
-                            <p:childTnLst>
-                              <p:par>
-                                <p:cTn id="10" presetID="16" presetClass="entr" presetSubtype="21" fill="hold" nodeType="clickEffect">
-                                  <p:stCondLst>
-                                    <p:cond delay="0"/>
-                                  </p:stCondLst>
-                                  <p:childTnLst>
-                                    <p:set>
-                                      <p:cBhvr>
-                                        <p:cTn id="11" dur="1" fill="hold">
-                                          <p:stCondLst>
-                                            <p:cond delay="0"/>
-                                          </p:stCondLst>
-                                        </p:cTn>
-                                        <p:tgtEl>
-                                          <p:spTgt spid="11"/>
-                                        </p:tgtEl>
-                                        <p:attrNameLst>
-                                          <p:attrName>style.visibility</p:attrName>
-                                        </p:attrNameLst>
-                                      </p:cBhvr>
-                                      <p:to>
-                                        <p:strVal val="visible"/>
-                                      </p:to>
-                                    </p:set>
-                                    <p:animEffect transition="in" filter="barn(inVertical)">
-                                      <p:cBhvr>
-                                        <p:cTn id="12" dur="500"/>
-                                        <p:tgtEl>
-                                          <p:spTgt spid="11"/>
-                                        </p:tgtEl>
-                                      </p:cBhvr>
-                                    </p:animEffect>
-                                  </p:childTnLst>
-                                </p:cTn>
-                              </p:par>
-                            </p:childTnLst>
-                          </p:cTn>
-                        </p:par>
-                      </p:childTnLst>
-                    </p:cTn>
-                  </p:par>
-                </p:childTnLst>
-              </p:cTn>
-              <p:prevCondLst>
-                <p:cond evt="onPrev" delay="0">
-                  <p:tgtEl>
-                    <p:sldTgt/>
-                  </p:tgtEl>
-                </p:cond>
-              </p:prevCondLst>
-              <p:nextCondLst>
-                <p:cond evt="onNext" delay="0">
-                  <p:tgtEl>
-                    <p:sldTgt/>
-                  </p:tgtEl>
-                </p:cond>
-              </p:nextCondLst>
-            </p:seq>
-          </p:childTnLst>
-        </p:cTn>
-      </p:par>
-    </p:tnLst>
-    <p:bldLst>
-      <p:bldP spid="2" grpId="0"/>
-    </p:bldLst>
-  </p:timing>
-</p:sld>
-</file>
-
-<file path=ppt/slides/slide7.xml><?xml version="1.0" encoding="utf-8"?>
 <p:sld xmlns:a="http://schemas.openxmlformats.org/drawingml/2006/main" xmlns:r="http://schemas.openxmlformats.org/officeDocument/2006/relationships" xmlns:p="http://schemas.openxmlformats.org/presentationml/2006/main">
   <p:cSld>
     <p:bg>
@@ -22369,13 +21767,13 @@
   <p:clrMapOvr>
     <a:masterClrMapping/>
   </p:clrMapOvr>
-  <mc:AlternateContent xmlns:mc="http://schemas.openxmlformats.org/markup-compatibility/2006">
-    <mc:Choice xmlns:p159="http://schemas.microsoft.com/office/powerpoint/2015/09/main" Requires="p159">
+  <mc:AlternateContent xmlns:mc="http://schemas.openxmlformats.org/markup-compatibility/2006" xmlns:p159="http://schemas.microsoft.com/office/powerpoint/2015/09/main">
+    <mc:Choice Requires="p159">
       <p:transition xmlns:p14="http://schemas.microsoft.com/office/powerpoint/2010/main" spd="slow" p14:dur="2000">
         <p159:morph option="byObject"/>
       </p:transition>
     </mc:Choice>
-    <mc:Fallback>
+    <mc:Fallback xmlns="">
       <p:transition spd="slow">
         <p:fade/>
       </p:transition>
@@ -22516,7 +21914,7 @@
 </p:sld>
 </file>
 
-<file path=ppt/slides/slide8.xml><?xml version="1.0" encoding="utf-8"?>
+<file path=ppt/slides/slide7.xml><?xml version="1.0" encoding="utf-8"?>
 <p:sld xmlns:a="http://schemas.openxmlformats.org/drawingml/2006/main" xmlns:r="http://schemas.openxmlformats.org/officeDocument/2006/relationships" xmlns:p="http://schemas.openxmlformats.org/presentationml/2006/main">
   <p:cSld>
     <p:bg>
@@ -22855,13 +22253,13 @@
   <p:clrMapOvr>
     <a:masterClrMapping/>
   </p:clrMapOvr>
-  <mc:AlternateContent xmlns:mc="http://schemas.openxmlformats.org/markup-compatibility/2006">
-    <mc:Choice xmlns:p159="http://schemas.microsoft.com/office/powerpoint/2015/09/main" Requires="p159">
+  <mc:AlternateContent xmlns:mc="http://schemas.openxmlformats.org/markup-compatibility/2006" xmlns:p159="http://schemas.microsoft.com/office/powerpoint/2015/09/main">
+    <mc:Choice Requires="p159">
       <p:transition xmlns:p14="http://schemas.microsoft.com/office/powerpoint/2010/main" spd="slow" p14:dur="2000">
         <p159:morph option="byObject"/>
       </p:transition>
     </mc:Choice>
-    <mc:Fallback>
+    <mc:Fallback xmlns="">
       <p:transition spd="slow">
         <p:fade/>
       </p:transition>
@@ -22870,7 +22268,7 @@
 </p:sld>
 </file>
 
-<file path=ppt/slides/slide9.xml><?xml version="1.0" encoding="utf-8"?>
+<file path=ppt/slides/slide8.xml><?xml version="1.0" encoding="utf-8"?>
 <p:sld xmlns:a="http://schemas.openxmlformats.org/drawingml/2006/main" xmlns:r="http://schemas.openxmlformats.org/officeDocument/2006/relationships" xmlns:p="http://schemas.openxmlformats.org/presentationml/2006/main">
   <p:cSld>
     <p:bg>
@@ -23163,13 +22561,13 @@
   <p:clrMapOvr>
     <a:masterClrMapping/>
   </p:clrMapOvr>
-  <mc:AlternateContent xmlns:mc="http://schemas.openxmlformats.org/markup-compatibility/2006">
-    <mc:Choice xmlns:p159="http://schemas.microsoft.com/office/powerpoint/2015/09/main" Requires="p159">
+  <mc:AlternateContent xmlns:mc="http://schemas.openxmlformats.org/markup-compatibility/2006" xmlns:p159="http://schemas.microsoft.com/office/powerpoint/2015/09/main">
+    <mc:Choice Requires="p159">
       <p:transition xmlns:p14="http://schemas.microsoft.com/office/powerpoint/2010/main" spd="slow" p14:dur="2000">
         <p159:morph option="byObject"/>
       </p:transition>
     </mc:Choice>
-    <mc:Fallback>
+    <mc:Fallback xmlns="">
       <p:transition spd="slow">
         <p:fade/>
       </p:transition>
@@ -23502,6 +22900,300 @@
     </p:tnLst>
     <p:bldLst>
       <p:bldGraphic spid="6" grpId="0">
+        <p:bldAsOne/>
+      </p:bldGraphic>
+    </p:bldLst>
+  </p:timing>
+</p:sld>
+</file>
+
+<file path=ppt/slides/slide9.xml><?xml version="1.0" encoding="utf-8"?>
+<p:sld xmlns:a="http://schemas.openxmlformats.org/drawingml/2006/main" xmlns:r="http://schemas.openxmlformats.org/officeDocument/2006/relationships" xmlns:p="http://schemas.openxmlformats.org/presentationml/2006/main">
+  <p:cSld>
+    <p:bg>
+      <p:bgPr>
+        <a:blipFill>
+          <a:blip r:embed="rId3"/>
+          <a:stretch/>
+        </a:blipFill>
+        <a:effectLst/>
+      </p:bgPr>
+    </p:bg>
+    <p:spTree>
+      <p:nvGrpSpPr>
+        <p:cNvPr id="1" name="">
+          <a:extLst>
+            <a:ext uri="{FF2B5EF4-FFF2-40B4-BE49-F238E27FC236}">
+              <a16:creationId xmlns:a16="http://schemas.microsoft.com/office/drawing/2014/main" id="{4F10401E-9F91-1194-0319-4280CD40FA29}"/>
+            </a:ext>
+          </a:extLst>
+        </p:cNvPr>
+        <p:cNvGrpSpPr/>
+        <p:nvPr/>
+      </p:nvGrpSpPr>
+      <p:grpSpPr>
+        <a:xfrm>
+          <a:off x="0" y="0"/>
+          <a:ext cx="0" cy="0"/>
+          <a:chOff x="0" y="0"/>
+          <a:chExt cx="0" cy="0"/>
+        </a:xfrm>
+      </p:grpSpPr>
+      <p:pic>
+        <p:nvPicPr>
+          <p:cNvPr id="35" name="Picture 34">
+            <a:extLst>
+              <a:ext uri="{FF2B5EF4-FFF2-40B4-BE49-F238E27FC236}">
+                <a16:creationId xmlns:a16="http://schemas.microsoft.com/office/drawing/2014/main" id="{42476583-CC33-45CE-B51B-215B5673CD22}"/>
+              </a:ext>
+              <a:ext uri="{C183D7F6-B498-43B3-948B-1728B52AA6E4}">
+                <adec:decorative xmlns:adec="http://schemas.microsoft.com/office/drawing/2017/decorative" val="1"/>
+              </a:ext>
+            </a:extLst>
+          </p:cNvPr>
+          <p:cNvPicPr>
+            <a:picLocks noGrp="1" noRot="1" noChangeAspect="1" noMove="1" noResize="1" noEditPoints="1" noAdjustHandles="1" noChangeArrowheads="1" noChangeShapeType="1" noCrop="1"/>
+          </p:cNvPicPr>
+          <p:nvPr>
+            <p:extLst>
+              <p:ext uri="{386F3935-93C4-4BCD-93E2-E3B085C9AB24}">
+                <p16:designElem xmlns:p16="http://schemas.microsoft.com/office/powerpoint/2015/main" val="1"/>
+              </p:ext>
+            </p:extLst>
+          </p:nvPr>
+        </p:nvPicPr>
+        <p:blipFill>
+          <a:blip r:embed="rId4">
+            <a:extLst>
+              <a:ext uri="{28A0092B-C50C-407E-A947-70E740481C1C}">
+                <a14:useLocalDpi xmlns:a14="http://schemas.microsoft.com/office/drawing/2010/main" val="0"/>
+              </a:ext>
+            </a:extLst>
+          </a:blip>
+          <a:stretch>
+            <a:fillRect/>
+          </a:stretch>
+        </p:blipFill>
+        <p:spPr>
+          <a:xfrm>
+            <a:off x="0" y="0"/>
+            <a:ext cx="12188825" cy="6856214"/>
+          </a:xfrm>
+          <a:prstGeom prst="rect">
+            <a:avLst/>
+          </a:prstGeom>
+        </p:spPr>
+      </p:pic>
+      <p:sp>
+        <p:nvSpPr>
+          <p:cNvPr id="2" name="Title 1">
+            <a:extLst>
+              <a:ext uri="{FF2B5EF4-FFF2-40B4-BE49-F238E27FC236}">
+                <a16:creationId xmlns:a16="http://schemas.microsoft.com/office/drawing/2014/main" id="{8F025874-A1E0-4B4C-738F-A86DCC1A90DA}"/>
+              </a:ext>
+            </a:extLst>
+          </p:cNvPr>
+          <p:cNvSpPr>
+            <a:spLocks noGrp="1"/>
+          </p:cNvSpPr>
+          <p:nvPr>
+            <p:ph type="title"/>
+          </p:nvPr>
+        </p:nvSpPr>
+        <p:spPr>
+          <a:xfrm>
+            <a:off x="685801" y="609600"/>
+            <a:ext cx="10131425" cy="1456267"/>
+          </a:xfrm>
+        </p:spPr>
+        <p:txBody>
+          <a:bodyPr vert="horz" lIns="91440" tIns="45720" rIns="91440" bIns="45720" rtlCol="0" anchor="ctr">
+            <a:normAutofit/>
+          </a:bodyPr>
+          <a:lstStyle/>
+          <a:p>
+            <a:r>
+              <a:rPr lang="en-US" b="1" dirty="0"/>
+              <a:t>Objectives of LLM Fine-tuning </a:t>
+            </a:r>
+          </a:p>
+        </p:txBody>
+      </p:sp>
+      <p:graphicFrame>
+        <p:nvGraphicFramePr>
+          <p:cNvPr id="31" name="Content Placeholder 5">
+            <a:extLst>
+              <a:ext uri="{FF2B5EF4-FFF2-40B4-BE49-F238E27FC236}">
+                <a16:creationId xmlns:a16="http://schemas.microsoft.com/office/drawing/2014/main" id="{232BEAF0-85E6-FA37-BBB8-CAB92F862E41}"/>
+              </a:ext>
+            </a:extLst>
+          </p:cNvPr>
+          <p:cNvGraphicFramePr>
+            <a:graphicFrameLocks noGrp="1"/>
+          </p:cNvGraphicFramePr>
+          <p:nvPr>
+            <p:ph sz="half" idx="1"/>
+            <p:extLst>
+              <p:ext uri="{D42A27DB-BD31-4B8C-83A1-F6EECF244321}">
+                <p14:modId xmlns:p14="http://schemas.microsoft.com/office/powerpoint/2010/main" val="4169876044"/>
+              </p:ext>
+            </p:extLst>
+          </p:nvPr>
+        </p:nvGraphicFramePr>
+        <p:xfrm>
+          <a:off x="685800" y="2406400"/>
+          <a:ext cx="10131425" cy="3384799"/>
+        </p:xfrm>
+        <a:graphic>
+          <a:graphicData uri="http://schemas.openxmlformats.org/drawingml/2006/diagram">
+            <dgm:relIds xmlns:dgm="http://schemas.openxmlformats.org/drawingml/2006/diagram" xmlns:r="http://schemas.openxmlformats.org/officeDocument/2006/relationships" r:dm="rId5" r:lo="rId6" r:qs="rId7" r:cs="rId8"/>
+          </a:graphicData>
+        </a:graphic>
+      </p:graphicFrame>
+    </p:spTree>
+    <p:extLst>
+      <p:ext uri="{BB962C8B-B14F-4D97-AF65-F5344CB8AC3E}">
+        <p14:creationId xmlns:p14="http://schemas.microsoft.com/office/powerpoint/2010/main" val="3123301942"/>
+      </p:ext>
+    </p:extLst>
+  </p:cSld>
+  <p:clrMapOvr>
+    <a:masterClrMapping/>
+  </p:clrMapOvr>
+  <mc:AlternateContent xmlns:mc="http://schemas.openxmlformats.org/markup-compatibility/2006" xmlns:p159="http://schemas.microsoft.com/office/powerpoint/2015/09/main">
+    <mc:Choice Requires="p159">
+      <p:transition xmlns:p14="http://schemas.microsoft.com/office/powerpoint/2010/main" spd="slow" p14:dur="2000">
+        <p159:morph option="byObject"/>
+      </p:transition>
+    </mc:Choice>
+    <mc:Fallback xmlns="">
+      <p:transition spd="slow">
+        <p:fade/>
+      </p:transition>
+    </mc:Fallback>
+  </mc:AlternateContent>
+  <p:timing>
+    <p:tnLst>
+      <p:par>
+        <p:cTn id="1" dur="indefinite" restart="never" nodeType="tmRoot">
+          <p:childTnLst>
+            <p:seq concurrent="1" nextAc="seek">
+              <p:cTn id="2" dur="indefinite" nodeType="mainSeq">
+                <p:childTnLst>
+                  <p:par>
+                    <p:cTn id="3" fill="hold">
+                      <p:stCondLst>
+                        <p:cond delay="indefinite"/>
+                      </p:stCondLst>
+                      <p:childTnLst>
+                        <p:par>
+                          <p:cTn id="4" fill="hold">
+                            <p:stCondLst>
+                              <p:cond delay="0"/>
+                            </p:stCondLst>
+                            <p:childTnLst>
+                              <p:par>
+                                <p:cTn id="5" presetID="2" presetClass="entr" presetSubtype="4" fill="hold" grpId="0" nodeType="clickEffect">
+                                  <p:stCondLst>
+                                    <p:cond delay="0"/>
+                                  </p:stCondLst>
+                                  <p:childTnLst>
+                                    <p:set>
+                                      <p:cBhvr>
+                                        <p:cTn id="6" dur="1" fill="hold">
+                                          <p:stCondLst>
+                                            <p:cond delay="0"/>
+                                          </p:stCondLst>
+                                        </p:cTn>
+                                        <p:tgtEl>
+                                          <p:spTgt spid="31"/>
+                                        </p:tgtEl>
+                                        <p:attrNameLst>
+                                          <p:attrName>style.visibility</p:attrName>
+                                        </p:attrNameLst>
+                                      </p:cBhvr>
+                                      <p:to>
+                                        <p:strVal val="visible"/>
+                                      </p:to>
+                                    </p:set>
+                                    <p:anim calcmode="lin" valueType="num">
+                                      <p:cBhvr additive="base">
+                                        <p:cTn id="7" dur="500" fill="hold"/>
+                                        <p:tgtEl>
+                                          <p:spTgt spid="31"/>
+                                        </p:tgtEl>
+                                        <p:attrNameLst>
+                                          <p:attrName>ppt_x</p:attrName>
+                                        </p:attrNameLst>
+                                      </p:cBhvr>
+                                      <p:tavLst>
+                                        <p:tav tm="0">
+                                          <p:val>
+                                            <p:strVal val="#ppt_x"/>
+                                          </p:val>
+                                        </p:tav>
+                                        <p:tav tm="100000">
+                                          <p:val>
+                                            <p:strVal val="#ppt_x"/>
+                                          </p:val>
+                                        </p:tav>
+                                      </p:tavLst>
+                                    </p:anim>
+                                    <p:anim calcmode="lin" valueType="num">
+                                      <p:cBhvr additive="base">
+                                        <p:cTn id="8" dur="500" fill="hold"/>
+                                        <p:tgtEl>
+                                          <p:spTgt spid="31"/>
+                                        </p:tgtEl>
+                                        <p:attrNameLst>
+                                          <p:attrName>ppt_y</p:attrName>
+                                        </p:attrNameLst>
+                                      </p:cBhvr>
+                                      <p:tavLst>
+                                        <p:tav tm="0">
+                                          <p:val>
+                                            <p:strVal val="1+#ppt_h/2"/>
+                                          </p:val>
+                                        </p:tav>
+                                        <p:tav tm="100000">
+                                          <p:val>
+                                            <p:strVal val="#ppt_y"/>
+                                          </p:val>
+                                        </p:tav>
+                                      </p:tavLst>
+                                    </p:anim>
+                                  </p:childTnLst>
+                                </p:cTn>
+                              </p:par>
+                            </p:childTnLst>
+                          </p:cTn>
+                        </p:par>
+                      </p:childTnLst>
+                    </p:cTn>
+                  </p:par>
+                </p:childTnLst>
+              </p:cTn>
+              <p:prevCondLst>
+                <p:cond evt="onPrev" delay="0">
+                  <p:tgtEl>
+                    <p:sldTgt/>
+                  </p:tgtEl>
+                </p:cond>
+              </p:prevCondLst>
+              <p:nextCondLst>
+                <p:cond evt="onNext" delay="0">
+                  <p:tgtEl>
+                    <p:sldTgt/>
+                  </p:tgtEl>
+                </p:cond>
+              </p:nextCondLst>
+            </p:seq>
+          </p:childTnLst>
+        </p:cTn>
+      </p:par>
+    </p:tnLst>
+    <p:bldLst>
+      <p:bldGraphic spid="31" grpId="0">
         <p:bldAsOne/>
       </p:bldGraphic>
     </p:bldLst>
@@ -24349,24 +24041,6 @@
 </file>
 
 <file path=customXml/item1.xml><?xml version="1.0" encoding="utf-8"?>
-<p:properties xmlns:p="http://schemas.microsoft.com/office/2006/metadata/properties" xmlns:xsi="http://www.w3.org/2001/XMLSchema-instance" xmlns:pc="http://schemas.microsoft.com/office/infopath/2007/PartnerControls">
-  <documentManagement>
-    <Status xmlns="71af3243-3dd4-4a8d-8c0d-dd76da1f02a5">Not started</Status>
-    <MediaServiceKeyPoints xmlns="71af3243-3dd4-4a8d-8c0d-dd76da1f02a5" xsi:nil="true"/>
-  </documentManagement>
-</p:properties>
-</file>
-
-<file path=customXml/item2.xml><?xml version="1.0" encoding="utf-8"?>
-<?mso-contentType ?>
-<FormTemplates xmlns="http://schemas.microsoft.com/sharepoint/v3/contenttype/forms">
-  <Display>DocumentLibraryForm</Display>
-  <Edit>DocumentLibraryForm</Edit>
-  <New>DocumentLibraryForm</New>
-</FormTemplates>
-</file>
-
-<file path=customXml/item3.xml><?xml version="1.0" encoding="utf-8"?>
 <ct:contentTypeSchema xmlns:ct="http://schemas.microsoft.com/office/2006/metadata/contentType" xmlns:ma="http://schemas.microsoft.com/office/2006/metadata/properties/metaAttributes" ct:_="" ma:_="" ma:contentTypeName="Document" ma:contentTypeID="0x01010079F111ED35F8CC479449609E8A0923A6" ma:contentTypeVersion="12" ma:contentTypeDescription="Create a new document." ma:contentTypeScope="" ma:versionID="93813dd7ca6ad654711aa0ab317e03a3">
   <xsd:schema xmlns:xsd="http://www.w3.org/2001/XMLSchema" xmlns:xs="http://www.w3.org/2001/XMLSchema" xmlns:p="http://schemas.microsoft.com/office/2006/metadata/properties" xmlns:ns2="71af3243-3dd4-4a8d-8c0d-dd76da1f02a5" xmlns:ns3="16c05727-aa75-4e4a-9b5f-8a80a1165891" targetNamespace="http://schemas.microsoft.com/office/2006/metadata/properties" ma:root="true" ma:fieldsID="f11dc0ce689dd3925e84e4e35398c6e7" ns2:_="" ns3:_="">
     <xsd:import namespace="71af3243-3dd4-4a8d-8c0d-dd76da1f02a5"/>
@@ -24587,25 +24261,25 @@
 </ct:contentTypeSchema>
 </file>
 
-<file path=customXml/itemProps1.xml><?xml version="1.0" encoding="utf-8"?>
-<ds:datastoreItem xmlns:ds="http://schemas.openxmlformats.org/officeDocument/2006/customXml" ds:itemID="{1F08B90B-70ED-4539-9C14-FB2728D9064F}">
-  <ds:schemaRefs>
-    <ds:schemaRef ds:uri="http://schemas.microsoft.com/office/2006/metadata/properties"/>
-    <ds:schemaRef ds:uri="http://schemas.microsoft.com/office/infopath/2007/PartnerControls"/>
-    <ds:schemaRef ds:uri="71af3243-3dd4-4a8d-8c0d-dd76da1f02a5"/>
-  </ds:schemaRefs>
-</ds:datastoreItem>
+<file path=customXml/item2.xml><?xml version="1.0" encoding="utf-8"?>
+<?mso-contentType ?>
+<FormTemplates xmlns="http://schemas.microsoft.com/sharepoint/v3/contenttype/forms">
+  <Display>DocumentLibraryForm</Display>
+  <Edit>DocumentLibraryForm</Edit>
+  <New>DocumentLibraryForm</New>
+</FormTemplates>
 </file>
 
-<file path=customXml/itemProps2.xml><?xml version="1.0" encoding="utf-8"?>
-<ds:datastoreItem xmlns:ds="http://schemas.openxmlformats.org/officeDocument/2006/customXml" ds:itemID="{A0D51BCB-0419-432E-B7F1-25548446A625}">
-  <ds:schemaRefs>
-    <ds:schemaRef ds:uri="http://schemas.microsoft.com/sharepoint/v3/contenttype/forms"/>
-  </ds:schemaRefs>
-</ds:datastoreItem>
+<file path=customXml/item3.xml><?xml version="1.0" encoding="utf-8"?>
+<p:properties xmlns:p="http://schemas.microsoft.com/office/2006/metadata/properties" xmlns:xsi="http://www.w3.org/2001/XMLSchema-instance" xmlns:pc="http://schemas.microsoft.com/office/infopath/2007/PartnerControls">
+  <documentManagement>
+    <Status xmlns="71af3243-3dd4-4a8d-8c0d-dd76da1f02a5">Not started</Status>
+    <MediaServiceKeyPoints xmlns="71af3243-3dd4-4a8d-8c0d-dd76da1f02a5" xsi:nil="true"/>
+  </documentManagement>
+</p:properties>
 </file>
 
-<file path=customXml/itemProps3.xml><?xml version="1.0" encoding="utf-8"?>
+<file path=customXml/itemProps1.xml><?xml version="1.0" encoding="utf-8"?>
 <ds:datastoreItem xmlns:ds="http://schemas.openxmlformats.org/officeDocument/2006/customXml" ds:itemID="{9E8D3305-1D9D-4BC8-A40F-6F8AE50BD76B}">
   <ds:schemaRefs>
     <ds:schemaRef ds:uri="http://schemas.microsoft.com/office/2006/metadata/contentType"/>
@@ -24622,4 +24296,22 @@
     <ds:schemaRef ds:uri="http://schemas.microsoft.com/internal/obd"/>
   </ds:schemaRefs>
 </ds:datastoreItem>
+</file>
+
+<file path=customXml/itemProps2.xml><?xml version="1.0" encoding="utf-8"?>
+<ds:datastoreItem xmlns:ds="http://schemas.openxmlformats.org/officeDocument/2006/customXml" ds:itemID="{A0D51BCB-0419-432E-B7F1-25548446A625}">
+  <ds:schemaRefs>
+    <ds:schemaRef ds:uri="http://schemas.microsoft.com/sharepoint/v3/contenttype/forms"/>
+  </ds:schemaRefs>
+</ds:datastoreItem>
+</file>
+
+<file path=customXml/itemProps3.xml><?xml version="1.0" encoding="utf-8"?>
+<ds:datastoreItem xmlns:ds="http://schemas.openxmlformats.org/officeDocument/2006/customXml" ds:itemID="{1F08B90B-70ED-4539-9C14-FB2728D9064F}">
+  <ds:schemaRefs>
+    <ds:schemaRef ds:uri="http://schemas.microsoft.com/office/2006/metadata/properties"/>
+    <ds:schemaRef ds:uri="http://schemas.microsoft.com/office/infopath/2007/PartnerControls"/>
+    <ds:schemaRef ds:uri="71af3243-3dd4-4a8d-8c0d-dd76da1f02a5"/>
+  </ds:schemaRefs>
+</ds:datastoreItem>
 </file>
--- a/DEPI projects.pptx
+++ b/DEPI projects.pptx
@@ -9914,6 +9914,90 @@
           <a:p>
             <a:fld id="{F3544625-0ADF-4414-89A2-9E135F0C849F}" type="slidenum">
               <a:rPr lang="en-US" smtClean="0"/>
+              <a:t>6</a:t>
+            </a:fld>
+            <a:endParaRPr lang="en-US" dirty="0"/>
+          </a:p>
+        </p:txBody>
+      </p:sp>
+    </p:spTree>
+    <p:extLst>
+      <p:ext uri="{BB962C8B-B14F-4D97-AF65-F5344CB8AC3E}">
+        <p14:creationId xmlns:p14="http://schemas.microsoft.com/office/powerpoint/2010/main" val="1277406063"/>
+      </p:ext>
+    </p:extLst>
+  </p:cSld>
+  <p:clrMapOvr>
+    <a:masterClrMapping/>
+  </p:clrMapOvr>
+</p:notes>
+</file>
+
+<file path=ppt/notesSlides/notesSlide6.xml><?xml version="1.0" encoding="utf-8"?>
+<p:notes xmlns:a="http://schemas.openxmlformats.org/drawingml/2006/main" xmlns:r="http://schemas.openxmlformats.org/officeDocument/2006/relationships" xmlns:p="http://schemas.openxmlformats.org/presentationml/2006/main">
+  <p:cSld>
+    <p:spTree>
+      <p:nvGrpSpPr>
+        <p:cNvPr id="1" name=""/>
+        <p:cNvGrpSpPr/>
+        <p:nvPr/>
+      </p:nvGrpSpPr>
+      <p:grpSpPr>
+        <a:xfrm>
+          <a:off x="0" y="0"/>
+          <a:ext cx="0" cy="0"/>
+          <a:chOff x="0" y="0"/>
+          <a:chExt cx="0" cy="0"/>
+        </a:xfrm>
+      </p:grpSpPr>
+      <p:sp>
+        <p:nvSpPr>
+          <p:cNvPr id="2" name="Slide Image Placeholder 1"/>
+          <p:cNvSpPr>
+            <a:spLocks noGrp="1" noRot="1" noChangeAspect="1"/>
+          </p:cNvSpPr>
+          <p:nvPr>
+            <p:ph type="sldImg"/>
+          </p:nvPr>
+        </p:nvSpPr>
+        <p:spPr/>
+      </p:sp>
+      <p:sp>
+        <p:nvSpPr>
+          <p:cNvPr id="3" name="Notes Placeholder 2"/>
+          <p:cNvSpPr>
+            <a:spLocks noGrp="1"/>
+          </p:cNvSpPr>
+          <p:nvPr>
+            <p:ph type="body" idx="1"/>
+          </p:nvPr>
+        </p:nvSpPr>
+        <p:spPr/>
+        <p:txBody>
+          <a:bodyPr/>
+          <a:lstStyle/>
+          <a:p>
+            <a:endParaRPr lang="en-US" dirty="0"/>
+          </a:p>
+        </p:txBody>
+      </p:sp>
+      <p:sp>
+        <p:nvSpPr>
+          <p:cNvPr id="4" name="Slide Number Placeholder 3"/>
+          <p:cNvSpPr>
+            <a:spLocks noGrp="1"/>
+          </p:cNvSpPr>
+          <p:nvPr>
+            <p:ph type="sldNum" sz="quarter" idx="5"/>
+          </p:nvPr>
+        </p:nvSpPr>
+        <p:spPr/>
+        <p:txBody>
+          <a:bodyPr/>
+          <a:lstStyle/>
+          <a:p>
+            <a:fld id="{F3544625-0ADF-4414-89A2-9E135F0C849F}" type="slidenum">
+              <a:rPr lang="en-US" smtClean="0"/>
               <a:t>7</a:t>
             </a:fld>
             <a:endParaRPr lang="en-US" dirty="0"/>
@@ -9933,7 +10017,7 @@
 </p:notes>
 </file>
 
-<file path=ppt/notesSlides/notesSlide6.xml><?xml version="1.0" encoding="utf-8"?>
+<file path=ppt/notesSlides/notesSlide7.xml><?xml version="1.0" encoding="utf-8"?>
 <p:notes xmlns:a="http://schemas.openxmlformats.org/drawingml/2006/main" xmlns:r="http://schemas.openxmlformats.org/officeDocument/2006/relationships" xmlns:p="http://schemas.openxmlformats.org/presentationml/2006/main">
   <p:cSld>
     <p:spTree>
@@ -21523,7 +21607,7 @@
     <p:bg>
       <p:bgPr>
         <a:blipFill>
-          <a:blip r:embed="rId2"/>
+          <a:blip r:embed="rId3"/>
           <a:stretch/>
         </a:blipFill>
         <a:effectLst/>
@@ -21567,7 +21651,7 @@
           </p:nvPr>
         </p:nvPicPr>
         <p:blipFill>
-          <a:blip r:embed="rId3">
+          <a:blip r:embed="rId4">
             <a:extLst>
               <a:ext uri="{28A0092B-C50C-407E-A947-70E740481C1C}">
                 <a14:useLocalDpi xmlns:a14="http://schemas.microsoft.com/office/drawing/2010/main" val="0"/>
@@ -21714,7 +21798,7 @@
           </p:nvPr>
         </p:nvPicPr>
         <p:blipFill>
-          <a:blip r:embed="rId4"/>
+          <a:blip r:embed="rId5"/>
           <a:stretch>
             <a:fillRect/>
           </a:stretch>
